--- a/cmsc125/ostep/slides/01.Virtualization/15.Address_Translation.pptx
+++ b/cmsc125/ostep/slides/01.Virtualization/15.Address_Translation.pptx
@@ -5,7 +5,7 @@
     <p:sldMasterId id="2147483670" r:id="rId1"/>
   </p:sldMasterIdLst>
   <p:notesMasterIdLst>
-    <p:notesMasterId r:id="rId25"/>
+    <p:notesMasterId r:id="rId27"/>
   </p:notesMasterIdLst>
   <p:sldIdLst>
     <p:sldId id="298" r:id="rId2"/>
@@ -30,7 +30,9 @@
     <p:sldId id="283" r:id="rId21"/>
     <p:sldId id="284" r:id="rId22"/>
     <p:sldId id="302" r:id="rId23"/>
-    <p:sldId id="303" r:id="rId24"/>
+    <p:sldId id="304" r:id="rId24"/>
+    <p:sldId id="305" r:id="rId25"/>
+    <p:sldId id="303" r:id="rId26"/>
   </p:sldIdLst>
   <p:sldSz cx="12192000" cy="6858000"/>
   <p:notesSz cx="6797675" cy="9928225"/>
@@ -260,7 +262,7 @@
           <a:p>
             <a:fld id="{050F0499-AE52-4672-879B-3107B2FC2A9F}" type="datetimeFigureOut">
               <a:rPr lang="ko-KR" altLang="en-US" smtClean="0"/>
-              <a:t>2021-10-15</a:t>
+              <a:t>2021-10-16</a:t>
             </a:fld>
             <a:endParaRPr lang="ko-KR" altLang="en-US"/>
           </a:p>
@@ -5283,8 +5285,8 @@
           </a:p>
         </p:txBody>
       </p:sp>
-      <mc:AlternateContent xmlns:mc="http://schemas.openxmlformats.org/markup-compatibility/2006">
-        <mc:Choice xmlns:a14="http://schemas.microsoft.com/office/drawing/2010/main" Requires="a14">
+      <mc:AlternateContent xmlns:mc="http://schemas.openxmlformats.org/markup-compatibility/2006" xmlns:a14="http://schemas.microsoft.com/office/drawing/2010/main">
+        <mc:Choice Requires="a14">
           <p:sp>
             <p:nvSpPr>
               <p:cNvPr id="6" name="모서리가 둥근 직사각형 5"/>
@@ -5454,7 +5456,7 @@
             </p:txBody>
           </p:sp>
         </mc:Choice>
-        <mc:Fallback>
+        <mc:Fallback xmlns="">
           <p:sp>
             <p:nvSpPr>
               <p:cNvPr id="6" name="모서리가 둥근 직사각형 5"/>
@@ -5503,8 +5505,8 @@
           </p:sp>
         </mc:Fallback>
       </mc:AlternateContent>
-      <mc:AlternateContent xmlns:mc="http://schemas.openxmlformats.org/markup-compatibility/2006">
-        <mc:Choice xmlns:a14="http://schemas.microsoft.com/office/drawing/2010/main" Requires="a14">
+      <mc:AlternateContent xmlns:mc="http://schemas.openxmlformats.org/markup-compatibility/2006" xmlns:a14="http://schemas.microsoft.com/office/drawing/2010/main">
+        <mc:Choice Requires="a14">
           <p:sp>
             <p:nvSpPr>
               <p:cNvPr id="7" name="모서리가 둥근 직사각형 6"/>
@@ -5663,7 +5665,7 @@
             </p:txBody>
           </p:sp>
         </mc:Choice>
-        <mc:Fallback>
+        <mc:Fallback xmlns="">
           <p:sp>
             <p:nvSpPr>
               <p:cNvPr id="7" name="모서리가 둥근 직사각형 6"/>
@@ -9326,8 +9328,8 @@
           </p:sp>
         </mc:Fallback>
       </mc:AlternateContent>
-      <mc:AlternateContent xmlns:mc="http://schemas.openxmlformats.org/markup-compatibility/2006">
-        <mc:Choice xmlns:a14="http://schemas.microsoft.com/office/drawing/2010/main" Requires="a14">
+      <mc:AlternateContent xmlns:mc="http://schemas.openxmlformats.org/markup-compatibility/2006" xmlns:a14="http://schemas.microsoft.com/office/drawing/2010/main">
+        <mc:Choice Requires="a14">
           <p:sp>
             <p:nvSpPr>
               <p:cNvPr id="41" name="모서리가 둥근 직사각형 40"/>
@@ -9603,7 +9605,7 @@
             </p:txBody>
           </p:sp>
         </mc:Choice>
-        <mc:Fallback>
+        <mc:Fallback xmlns="">
           <p:sp>
             <p:nvSpPr>
               <p:cNvPr id="41" name="모서리가 둥근 직사각형 40"/>
@@ -10327,14 +10329,18 @@
             </a:r>
             <a:r>
               <a:rPr lang="en-US" altLang="ko-KR" dirty="0"/>
-              <a:t> for a new address space.</a:t>
+              <a:t> for a new address space</a:t>
             </a:r>
           </a:p>
           <a:p>
             <a:pPr lvl="1"/>
             <a:r>
+              <a:rPr lang="en-US" altLang="ko-KR" b="1" dirty="0"/>
+              <a:t>free list</a:t>
+            </a:r>
+            <a:r>
               <a:rPr lang="en-US" altLang="ko-KR" dirty="0"/>
-              <a:t>free list : A list of the range of the physical memory which are not in use.</a:t>
+              <a:t> : A list of the range of the physical memory which are not in use</a:t>
             </a:r>
             <a:endParaRPr lang="ko-KR" altLang="en-US" dirty="0"/>
           </a:p>
@@ -11702,7 +11708,7 @@
             </a:r>
             <a:r>
               <a:rPr lang="en-US" altLang="ko-KR" dirty="0"/>
-              <a:t> on the free list.</a:t>
+              <a:t> on the free list</a:t>
             </a:r>
             <a:endParaRPr lang="ko-KR" altLang="en-US" dirty="0"/>
           </a:p>
@@ -15426,9 +15432,12 @@
           <a:p>
             <a:r>
               <a:rPr lang="en-US" dirty="0"/>
-              <a:t>OS Issues: Set up exception handlers at boot</a:t>
-            </a:r>
-            <a:endParaRPr lang="en-PH" dirty="0"/>
+              <a:t>OS Issues: </a:t>
+            </a:r>
+            <a:r>
+              <a:rPr lang="en-PH" dirty="0"/>
+              <a:t>Limited Direct Execution with Dynamic Relocation at Boot Time</a:t>
+            </a:r>
           </a:p>
         </p:txBody>
       </p:sp>
@@ -15453,10 +15462,9 @@
           <a:bodyPr/>
           <a:lstStyle/>
           <a:p>
-            <a:r>
-              <a:rPr lang="en-US" dirty="0"/>
-              <a:t>Limited Direct Execution with Dynamic Relocation</a:t>
-            </a:r>
+            <a:pPr marL="0" indent="0">
+              <a:buNone/>
+            </a:pPr>
             <a:endParaRPr lang="en-PH" dirty="0"/>
           </a:p>
         </p:txBody>
@@ -15508,6 +15516,246 @@
 </file>
 
 <file path=ppt/slides/slide23.xml><?xml version="1.0" encoding="utf-8"?>
+<p:sld xmlns:a="http://schemas.openxmlformats.org/drawingml/2006/main" xmlns:r="http://schemas.openxmlformats.org/officeDocument/2006/relationships" xmlns:p="http://schemas.openxmlformats.org/presentationml/2006/main">
+  <p:cSld>
+    <p:spTree>
+      <p:nvGrpSpPr>
+        <p:cNvPr id="1" name=""/>
+        <p:cNvGrpSpPr/>
+        <p:nvPr/>
+      </p:nvGrpSpPr>
+      <p:grpSpPr>
+        <a:xfrm>
+          <a:off x="0" y="0"/>
+          <a:ext cx="0" cy="0"/>
+          <a:chOff x="0" y="0"/>
+          <a:chExt cx="0" cy="0"/>
+        </a:xfrm>
+      </p:grpSpPr>
+      <p:sp>
+        <p:nvSpPr>
+          <p:cNvPr id="3" name="Title 2">
+            <a:extLst>
+              <a:ext uri="{FF2B5EF4-FFF2-40B4-BE49-F238E27FC236}">
+                <a16:creationId xmlns:a16="http://schemas.microsoft.com/office/drawing/2014/main" id="{C35F14D9-E5C9-4909-BA82-95CD849B58A7}"/>
+              </a:ext>
+            </a:extLst>
+          </p:cNvPr>
+          <p:cNvSpPr>
+            <a:spLocks noGrp="1"/>
+          </p:cNvSpPr>
+          <p:nvPr>
+            <p:ph type="title"/>
+          </p:nvPr>
+        </p:nvSpPr>
+        <p:spPr/>
+        <p:txBody>
+          <a:bodyPr/>
+          <a:lstStyle/>
+          <a:p>
+            <a:r>
+              <a:rPr lang="en-US" dirty="0"/>
+              <a:t>OS Issues: </a:t>
+            </a:r>
+            <a:r>
+              <a:rPr lang="en-PH" dirty="0"/>
+              <a:t>Limited Direct Execution with Dynamic Relocation at Runtime</a:t>
+            </a:r>
+          </a:p>
+        </p:txBody>
+      </p:sp>
+      <p:sp>
+        <p:nvSpPr>
+          <p:cNvPr id="4" name="Content Placeholder 3">
+            <a:extLst>
+              <a:ext uri="{FF2B5EF4-FFF2-40B4-BE49-F238E27FC236}">
+                <a16:creationId xmlns:a16="http://schemas.microsoft.com/office/drawing/2014/main" id="{30B5D51C-9A58-4E0F-B8E3-BBDE191247DD}"/>
+              </a:ext>
+            </a:extLst>
+          </p:cNvPr>
+          <p:cNvSpPr>
+            <a:spLocks noGrp="1"/>
+          </p:cNvSpPr>
+          <p:nvPr>
+            <p:ph idx="1"/>
+          </p:nvPr>
+        </p:nvSpPr>
+        <p:spPr/>
+        <p:txBody>
+          <a:bodyPr/>
+          <a:lstStyle/>
+          <a:p>
+            <a:endParaRPr lang="en-PH"/>
+          </a:p>
+        </p:txBody>
+      </p:sp>
+      <p:pic>
+        <p:nvPicPr>
+          <p:cNvPr id="8" name="Picture 7">
+            <a:extLst>
+              <a:ext uri="{FF2B5EF4-FFF2-40B4-BE49-F238E27FC236}">
+                <a16:creationId xmlns:a16="http://schemas.microsoft.com/office/drawing/2014/main" id="{4A5069F4-8868-4A40-94AD-CBBED79054ED}"/>
+              </a:ext>
+            </a:extLst>
+          </p:cNvPr>
+          <p:cNvPicPr>
+            <a:picLocks noChangeAspect="1"/>
+          </p:cNvPicPr>
+          <p:nvPr/>
+        </p:nvPicPr>
+        <p:blipFill>
+          <a:blip r:embed="rId2"/>
+          <a:stretch>
+            <a:fillRect/>
+          </a:stretch>
+        </p:blipFill>
+        <p:spPr>
+          <a:xfrm>
+            <a:off x="3200400" y="1057275"/>
+            <a:ext cx="5791200" cy="4743450"/>
+          </a:xfrm>
+          <a:prstGeom prst="rect">
+            <a:avLst/>
+          </a:prstGeom>
+        </p:spPr>
+      </p:pic>
+    </p:spTree>
+    <p:extLst>
+      <p:ext uri="{BB962C8B-B14F-4D97-AF65-F5344CB8AC3E}">
+        <p14:creationId xmlns:p14="http://schemas.microsoft.com/office/powerpoint/2010/main" val="558519322"/>
+      </p:ext>
+    </p:extLst>
+  </p:cSld>
+  <p:clrMapOvr>
+    <a:masterClrMapping/>
+  </p:clrMapOvr>
+  <p:transition>
+    <p:zoom/>
+  </p:transition>
+</p:sld>
+</file>
+
+<file path=ppt/slides/slide24.xml><?xml version="1.0" encoding="utf-8"?>
+<p:sld xmlns:a="http://schemas.openxmlformats.org/drawingml/2006/main" xmlns:r="http://schemas.openxmlformats.org/officeDocument/2006/relationships" xmlns:p="http://schemas.openxmlformats.org/presentationml/2006/main">
+  <p:cSld>
+    <p:spTree>
+      <p:nvGrpSpPr>
+        <p:cNvPr id="1" name=""/>
+        <p:cNvGrpSpPr/>
+        <p:nvPr/>
+      </p:nvGrpSpPr>
+      <p:grpSpPr>
+        <a:xfrm>
+          <a:off x="0" y="0"/>
+          <a:ext cx="0" cy="0"/>
+          <a:chOff x="0" y="0"/>
+          <a:chExt cx="0" cy="0"/>
+        </a:xfrm>
+      </p:grpSpPr>
+      <p:sp>
+        <p:nvSpPr>
+          <p:cNvPr id="3" name="Title 2">
+            <a:extLst>
+              <a:ext uri="{FF2B5EF4-FFF2-40B4-BE49-F238E27FC236}">
+                <a16:creationId xmlns:a16="http://schemas.microsoft.com/office/drawing/2014/main" id="{C35F14D9-E5C9-4909-BA82-95CD849B58A7}"/>
+              </a:ext>
+            </a:extLst>
+          </p:cNvPr>
+          <p:cNvSpPr>
+            <a:spLocks noGrp="1"/>
+          </p:cNvSpPr>
+          <p:nvPr>
+            <p:ph type="title"/>
+          </p:nvPr>
+        </p:nvSpPr>
+        <p:spPr/>
+        <p:txBody>
+          <a:bodyPr/>
+          <a:lstStyle/>
+          <a:p>
+            <a:r>
+              <a:rPr lang="en-US" dirty="0"/>
+              <a:t>OS Issues: </a:t>
+            </a:r>
+            <a:r>
+              <a:rPr lang="en-PH" dirty="0"/>
+              <a:t>Limited Direct Execution with Dynamic Relocation at Runtime (Cont..)</a:t>
+            </a:r>
+          </a:p>
+        </p:txBody>
+      </p:sp>
+      <p:sp>
+        <p:nvSpPr>
+          <p:cNvPr id="4" name="Content Placeholder 3">
+            <a:extLst>
+              <a:ext uri="{FF2B5EF4-FFF2-40B4-BE49-F238E27FC236}">
+                <a16:creationId xmlns:a16="http://schemas.microsoft.com/office/drawing/2014/main" id="{30B5D51C-9A58-4E0F-B8E3-BBDE191247DD}"/>
+              </a:ext>
+            </a:extLst>
+          </p:cNvPr>
+          <p:cNvSpPr>
+            <a:spLocks noGrp="1"/>
+          </p:cNvSpPr>
+          <p:nvPr>
+            <p:ph idx="1"/>
+          </p:nvPr>
+        </p:nvSpPr>
+        <p:spPr/>
+        <p:txBody>
+          <a:bodyPr/>
+          <a:lstStyle/>
+          <a:p>
+            <a:endParaRPr lang="en-PH"/>
+          </a:p>
+        </p:txBody>
+      </p:sp>
+      <p:pic>
+        <p:nvPicPr>
+          <p:cNvPr id="5" name="Picture 4">
+            <a:extLst>
+              <a:ext uri="{FF2B5EF4-FFF2-40B4-BE49-F238E27FC236}">
+                <a16:creationId xmlns:a16="http://schemas.microsoft.com/office/drawing/2014/main" id="{4FE879C7-873F-4B6C-8DFC-35ACD2C50767}"/>
+              </a:ext>
+            </a:extLst>
+          </p:cNvPr>
+          <p:cNvPicPr>
+            <a:picLocks noChangeAspect="1"/>
+          </p:cNvPicPr>
+          <p:nvPr/>
+        </p:nvPicPr>
+        <p:blipFill>
+          <a:blip r:embed="rId2"/>
+          <a:stretch>
+            <a:fillRect/>
+          </a:stretch>
+        </p:blipFill>
+        <p:spPr>
+          <a:xfrm>
+            <a:off x="3343275" y="1233487"/>
+            <a:ext cx="5505450" cy="4391025"/>
+          </a:xfrm>
+          <a:prstGeom prst="rect">
+            <a:avLst/>
+          </a:prstGeom>
+        </p:spPr>
+      </p:pic>
+    </p:spTree>
+    <p:extLst>
+      <p:ext uri="{BB962C8B-B14F-4D97-AF65-F5344CB8AC3E}">
+        <p14:creationId xmlns:p14="http://schemas.microsoft.com/office/powerpoint/2010/main" val="1226324289"/>
+      </p:ext>
+    </p:extLst>
+  </p:cSld>
+  <p:clrMapOvr>
+    <a:masterClrMapping/>
+  </p:clrMapOvr>
+  <p:transition>
+    <p:zoom/>
+  </p:transition>
+</p:sld>
+</file>
+
+<file path=ppt/slides/slide25.xml><?xml version="1.0" encoding="utf-8"?>
 <p:sld xmlns:a="http://schemas.openxmlformats.org/drawingml/2006/main" xmlns:r="http://schemas.openxmlformats.org/officeDocument/2006/relationships" xmlns:p="http://schemas.openxmlformats.org/presentationml/2006/main">
   <p:cSld>
     <p:spTree>
